--- a/Hadoop_Cluster_HA.pptx
+++ b/Hadoop_Cluster_HA.pptx
@@ -4794,7 +4794,7 @@
         <p:spPr>
           <a:xfrm>
             <a:off x="1097280" y="4325112"/>
-            <a:ext cx="9997440" cy="1399742"/>
+            <a:ext cx="9997440" cy="1732141"/>
           </a:xfrm>
           <a:prstGeom prst="rect">
             <a:avLst/>
@@ -4839,6 +4839,35 @@
                 </a:solidFill>
               </a:rPr>
               <a:t>Student ID: 11327605</a:t>
+            </a:r>
+          </a:p>
+          <a:p>
+            <a:pPr>
+              <a:lnSpc>
+                <a:spcPct val="120000"/>
+              </a:lnSpc>
+            </a:pPr>
+            <a:r>
+              <a:rPr lang="en-US" altLang="zh-CN" sz="1800" dirty="0">
+                <a:solidFill>
+                  <a:schemeClr val="accent2">
+                    <a:lumMod val="75000"/>
+                  </a:schemeClr>
+                </a:solidFill>
+                <a:latin typeface="+mn-lt"/>
+              </a:rPr>
+              <a:t>Email</a:t>
+            </a:r>
+            <a:r>
+              <a:rPr lang="en-US" altLang="zh-CN" sz="1800">
+                <a:solidFill>
+                  <a:schemeClr val="accent2">
+                    <a:lumMod val="75000"/>
+                  </a:schemeClr>
+                </a:solidFill>
+                <a:latin typeface="+mn-lt"/>
+              </a:rPr>
+              <a:t>: tylau70242@gmail.com</a:t>
             </a:r>
             <a:endParaRPr lang="en-US" altLang="zh-HK" sz="1800" dirty="0">
               <a:solidFill>
